--- a/Presentation on NFC.pptx
+++ b/Presentation on NFC.pptx
@@ -4123,7 +4123,7 @@
         <p:spPr>
           <a:xfrm>
             <a:off x="4710218" y="4370799"/>
-            <a:ext cx="8936236" cy="1099820"/>
+            <a:ext cx="8936236" cy="1723390"/>
           </a:xfrm>
           <a:prstGeom prst="rect">
             <a:avLst/>
@@ -4150,7 +4150,7 @@
                 <a:cs typeface="Aileron" panose="00000500000000000000"/>
                 <a:sym typeface="Aileron" panose="00000500000000000000"/>
               </a:rPr>
-              <a:t>Course title: Wireless and Mobile Communication</a:t>
+              <a:t>Course title: Wireless and Mobile</a:t>
             </a:r>
             <a:endParaRPr lang="en-US" sz="3200">
               <a:solidFill>
@@ -4163,13 +4163,10 @@
             </a:endParaRPr>
           </a:p>
           <a:p>
-            <a:pPr algn="just">
+            <a:pPr algn="ctr">
               <a:lnSpc>
                 <a:spcPts val="4480"/>
               </a:lnSpc>
-              <a:spcBef>
-                <a:spcPct val="0"/>
-              </a:spcBef>
             </a:pPr>
             <a:r>
               <a:rPr lang="en-US" sz="3200">
@@ -4181,7 +4178,38 @@
                 <a:cs typeface="Aileron" panose="00000500000000000000"/>
                 <a:sym typeface="Aileron" panose="00000500000000000000"/>
               </a:rPr>
-              <a:t>Course code: ICT-4201</a:t>
+              <a:t>Communication</a:t>
+            </a:r>
+            <a:endParaRPr lang="en-US" sz="3200">
+              <a:solidFill>
+                <a:srgbClr val="000000"/>
+              </a:solidFill>
+              <a:latin typeface="Aileron" panose="00000500000000000000"/>
+              <a:ea typeface="Aileron" panose="00000500000000000000"/>
+              <a:cs typeface="Aileron" panose="00000500000000000000"/>
+              <a:sym typeface="Aileron" panose="00000500000000000000"/>
+            </a:endParaRPr>
+          </a:p>
+          <a:p>
+            <a:pPr algn="just">
+              <a:lnSpc>
+                <a:spcPts val="4480"/>
+              </a:lnSpc>
+              <a:spcBef>
+                <a:spcPct val="0"/>
+              </a:spcBef>
+            </a:pPr>
+            <a:r>
+              <a:rPr lang="en-US" sz="3200">
+                <a:solidFill>
+                  <a:srgbClr val="000000"/>
+                </a:solidFill>
+                <a:latin typeface="Aileron" panose="00000500000000000000"/>
+                <a:ea typeface="Aileron" panose="00000500000000000000"/>
+                <a:cs typeface="Aileron" panose="00000500000000000000"/>
+                <a:sym typeface="Aileron" panose="00000500000000000000"/>
+              </a:rPr>
+              <a:t>         Course code: ICT-4201</a:t>
             </a:r>
             <a:endParaRPr lang="en-US" sz="3200">
               <a:solidFill>
